--- a/2020_fluxsat/figure_6.pptx
+++ b/2020_fluxsat/figure_6.pptx
@@ -242,8 +242,11 @@
     </a:lvl9pPr>
   </p:defaultTextStyle>
   <p:extLst>
+    <p:ext uri="{EFAFB233-063F-42B5-8137-9DF3F51BA10A}">
+      <p15:sldGuideLst xmlns:p15="http://schemas.microsoft.com/office/powerpoint/2012/main"/>
+    </p:ext>
     <p:ext uri="http://customooxmlschemas.google.com/">
-      <go:slidesCustomData xmlns:go="http://customooxmlschemas.google.com/" xmlns:p15="http://schemas.microsoft.com/office/powerpoint/2012/main" xmlns:p14="http://schemas.microsoft.com/office/powerpoint/2010/main" xmlns:com="http://schemas.openxmlformats.org/drawingml/2006/compatibility" xmlns:pvml="urn:schemas-microsoft-com:office:powerpoint" xmlns:v="urn:schemas-microsoft-com:vml" xmlns:o="urn:schemas-microsoft-com:office:office" xmlns:dgm="http://schemas.openxmlformats.org/drawingml/2006/diagram" xmlns:c="http://schemas.openxmlformats.org/drawingml/2006/chart" xmlns:mv="urn:schemas-microsoft-com:mac:vml" xmlns:mc="http://schemas.openxmlformats.org/markup-compatibility/2006" xmlns="" r:id="rId6" roundtripDataSignature="AMtx7mgse/y9ivfU2xz/JzD9GpxGe5JnPg=="/>
+      <go:slidesCustomData xmlns="" xmlns:mc="http://schemas.openxmlformats.org/markup-compatibility/2006" xmlns:mv="urn:schemas-microsoft-com:mac:vml" xmlns:c="http://schemas.openxmlformats.org/drawingml/2006/chart" xmlns:dgm="http://schemas.openxmlformats.org/drawingml/2006/diagram" xmlns:o="urn:schemas-microsoft-com:office:office" xmlns:v="urn:schemas-microsoft-com:vml" xmlns:pvml="urn:schemas-microsoft-com:office:powerpoint" xmlns:com="http://schemas.openxmlformats.org/drawingml/2006/compatibility" xmlns:p14="http://schemas.microsoft.com/office/powerpoint/2010/main" xmlns:p15="http://schemas.microsoft.com/office/powerpoint/2012/main" xmlns:go="http://customooxmlschemas.google.com/" r:id="rId6" roundtripDataSignature="AMtx7mgse/y9ivfU2xz/JzD9GpxGe5JnPg=="/>
     </p:ext>
   </p:extLst>
 </p:presentation>
@@ -11635,9 +11638,9 @@
               <a:buNone/>
             </a:pPr>
             <a:r>
-              <a:rPr lang="en-US" sz="1200">
+              <a:rPr lang="en-US" sz="1200" dirty="0">
                 <a:solidFill>
-                  <a:schemeClr val="tx1"/>
+                  <a:srgbClr val="FF0000"/>
                 </a:solidFill>
                 <a:latin typeface="Calibri"/>
                 <a:ea typeface="Calibri"/>
@@ -11646,9 +11649,9 @@
               </a:rPr>
               <a:t>Sea-air temperature difference</a:t>
             </a:r>
-            <a:endParaRPr sz="1200">
+            <a:endParaRPr sz="1200" dirty="0">
               <a:solidFill>
-                <a:schemeClr val="tx1"/>
+                <a:srgbClr val="FF0000"/>
               </a:solidFill>
               <a:latin typeface="Calibri"/>
               <a:ea typeface="Calibri"/>
@@ -11696,9 +11699,9 @@
               <a:buNone/>
             </a:pPr>
             <a:r>
-              <a:rPr lang="en-US" sz="1200">
+              <a:rPr lang="en-US" sz="1200" dirty="0">
                 <a:solidFill>
-                  <a:schemeClr val="tx1"/>
+                  <a:srgbClr val="FF0000"/>
                 </a:solidFill>
                 <a:latin typeface="Calibri"/>
                 <a:ea typeface="Calibri"/>
@@ -11707,9 +11710,9 @@
               </a:rPr>
               <a:t>Wind </a:t>
             </a:r>
-            <a:endParaRPr>
+            <a:endParaRPr dirty="0">
               <a:solidFill>
-                <a:schemeClr val="tx1"/>
+                <a:srgbClr val="FF0000"/>
               </a:solidFill>
             </a:endParaRPr>
           </a:p>
@@ -11727,9 +11730,9 @@
               <a:buNone/>
             </a:pPr>
             <a:r>
-              <a:rPr lang="en-US" sz="1200">
+              <a:rPr lang="en-US" sz="1200" dirty="0">
                 <a:solidFill>
-                  <a:schemeClr val="tx1"/>
+                  <a:srgbClr val="FF0000"/>
                 </a:solidFill>
                 <a:latin typeface="Calibri"/>
                 <a:ea typeface="Calibri"/>
@@ -11738,9 +11741,9 @@
               </a:rPr>
               <a:t>speed</a:t>
             </a:r>
-            <a:endParaRPr sz="1200">
+            <a:endParaRPr sz="1200" dirty="0">
               <a:solidFill>
-                <a:schemeClr val="tx1"/>
+                <a:srgbClr val="FF0000"/>
               </a:solidFill>
               <a:latin typeface="Calibri"/>
               <a:ea typeface="Calibri"/>
@@ -12192,7 +12195,7 @@
             <a:r>
               <a:rPr lang="en-US" sz="1200" dirty="0">
                 <a:solidFill>
-                  <a:schemeClr val="tx1"/>
+                  <a:srgbClr val="FF0000"/>
                 </a:solidFill>
                 <a:latin typeface="Calibri"/>
                 <a:ea typeface="Calibri"/>
@@ -12203,7 +12206,7 @@
             </a:r>
             <a:endParaRPr sz="1200" dirty="0">
               <a:solidFill>
-                <a:schemeClr val="tx1"/>
+                <a:srgbClr val="FF0000"/>
               </a:solidFill>
               <a:latin typeface="Calibri"/>
               <a:ea typeface="Calibri"/>
@@ -12251,9 +12254,9 @@
               <a:buNone/>
             </a:pPr>
             <a:r>
-              <a:rPr lang="en-US" sz="1200">
+              <a:rPr lang="en-US" sz="1200" dirty="0">
                 <a:solidFill>
-                  <a:schemeClr val="tx1"/>
+                  <a:srgbClr val="FF0000"/>
                 </a:solidFill>
                 <a:latin typeface="Calibri"/>
                 <a:ea typeface="Calibri"/>
@@ -12262,9 +12265,9 @@
               </a:rPr>
               <a:t>Wind </a:t>
             </a:r>
-            <a:endParaRPr>
+            <a:endParaRPr dirty="0">
               <a:solidFill>
-                <a:schemeClr val="tx1"/>
+                <a:srgbClr val="FF0000"/>
               </a:solidFill>
             </a:endParaRPr>
           </a:p>
@@ -12282,9 +12285,9 @@
               <a:buNone/>
             </a:pPr>
             <a:r>
-              <a:rPr lang="en-US" sz="1200">
+              <a:rPr lang="en-US" sz="1200" dirty="0">
                 <a:solidFill>
-                  <a:schemeClr val="tx1"/>
+                  <a:srgbClr val="FF0000"/>
                 </a:solidFill>
                 <a:latin typeface="Calibri"/>
                 <a:ea typeface="Calibri"/>
@@ -12293,9 +12296,9 @@
               </a:rPr>
               <a:t>speed</a:t>
             </a:r>
-            <a:endParaRPr sz="1200">
+            <a:endParaRPr sz="1200" dirty="0">
               <a:solidFill>
-                <a:schemeClr val="tx1"/>
+                <a:srgbClr val="FF0000"/>
               </a:solidFill>
               <a:latin typeface="Calibri"/>
               <a:ea typeface="Calibri"/>
